--- a/SEM2.pptx
+++ b/SEM2.pptx
@@ -272,7 +272,7 @@
           <a:p>
             <a:fld id="{E0ED9915-2572-7040-8910-74C1149B9A2E}" type="datetimeFigureOut">
               <a:rPr lang="en-CH" smtClean="0"/>
-              <a:t>31.10.2024</a:t>
+              <a:t>04.11.2024</a:t>
             </a:fld>
             <a:endParaRPr lang="en-CH"/>
           </a:p>
@@ -472,7 +472,7 @@
           <a:p>
             <a:fld id="{E0ED9915-2572-7040-8910-74C1149B9A2E}" type="datetimeFigureOut">
               <a:rPr lang="en-CH" smtClean="0"/>
-              <a:t>31.10.2024</a:t>
+              <a:t>04.11.2024</a:t>
             </a:fld>
             <a:endParaRPr lang="en-CH"/>
           </a:p>
@@ -682,7 +682,7 @@
           <a:p>
             <a:fld id="{E0ED9915-2572-7040-8910-74C1149B9A2E}" type="datetimeFigureOut">
               <a:rPr lang="en-CH" smtClean="0"/>
-              <a:t>31.10.2024</a:t>
+              <a:t>04.11.2024</a:t>
             </a:fld>
             <a:endParaRPr lang="en-CH"/>
           </a:p>
@@ -882,7 +882,7 @@
           <a:p>
             <a:fld id="{E0ED9915-2572-7040-8910-74C1149B9A2E}" type="datetimeFigureOut">
               <a:rPr lang="en-CH" smtClean="0"/>
-              <a:t>31.10.2024</a:t>
+              <a:t>04.11.2024</a:t>
             </a:fld>
             <a:endParaRPr lang="en-CH"/>
           </a:p>
@@ -1158,7 +1158,7 @@
           <a:p>
             <a:fld id="{E0ED9915-2572-7040-8910-74C1149B9A2E}" type="datetimeFigureOut">
               <a:rPr lang="en-CH" smtClean="0"/>
-              <a:t>31.10.2024</a:t>
+              <a:t>04.11.2024</a:t>
             </a:fld>
             <a:endParaRPr lang="en-CH"/>
           </a:p>
@@ -1426,7 +1426,7 @@
           <a:p>
             <a:fld id="{E0ED9915-2572-7040-8910-74C1149B9A2E}" type="datetimeFigureOut">
               <a:rPr lang="en-CH" smtClean="0"/>
-              <a:t>31.10.2024</a:t>
+              <a:t>04.11.2024</a:t>
             </a:fld>
             <a:endParaRPr lang="en-CH"/>
           </a:p>
@@ -1841,7 +1841,7 @@
           <a:p>
             <a:fld id="{E0ED9915-2572-7040-8910-74C1149B9A2E}" type="datetimeFigureOut">
               <a:rPr lang="en-CH" smtClean="0"/>
-              <a:t>31.10.2024</a:t>
+              <a:t>04.11.2024</a:t>
             </a:fld>
             <a:endParaRPr lang="en-CH"/>
           </a:p>
@@ -1983,7 +1983,7 @@
           <a:p>
             <a:fld id="{E0ED9915-2572-7040-8910-74C1149B9A2E}" type="datetimeFigureOut">
               <a:rPr lang="en-CH" smtClean="0"/>
-              <a:t>31.10.2024</a:t>
+              <a:t>04.11.2024</a:t>
             </a:fld>
             <a:endParaRPr lang="en-CH"/>
           </a:p>
@@ -2096,7 +2096,7 @@
           <a:p>
             <a:fld id="{E0ED9915-2572-7040-8910-74C1149B9A2E}" type="datetimeFigureOut">
               <a:rPr lang="en-CH" smtClean="0"/>
-              <a:t>31.10.2024</a:t>
+              <a:t>04.11.2024</a:t>
             </a:fld>
             <a:endParaRPr lang="en-CH"/>
           </a:p>
@@ -2409,7 +2409,7 @@
           <a:p>
             <a:fld id="{E0ED9915-2572-7040-8910-74C1149B9A2E}" type="datetimeFigureOut">
               <a:rPr lang="en-CH" smtClean="0"/>
-              <a:t>31.10.2024</a:t>
+              <a:t>04.11.2024</a:t>
             </a:fld>
             <a:endParaRPr lang="en-CH"/>
           </a:p>
@@ -2698,7 +2698,7 @@
           <a:p>
             <a:fld id="{E0ED9915-2572-7040-8910-74C1149B9A2E}" type="datetimeFigureOut">
               <a:rPr lang="en-CH" smtClean="0"/>
-              <a:t>31.10.2024</a:t>
+              <a:t>04.11.2024</a:t>
             </a:fld>
             <a:endParaRPr lang="en-CH"/>
           </a:p>
@@ -2941,7 +2941,7 @@
           <a:p>
             <a:fld id="{E0ED9915-2572-7040-8910-74C1149B9A2E}" type="datetimeFigureOut">
               <a:rPr lang="en-CH" smtClean="0"/>
-              <a:t>31.10.2024</a:t>
+              <a:t>04.11.2024</a:t>
             </a:fld>
             <a:endParaRPr lang="en-CH"/>
           </a:p>
@@ -4701,7 +4701,7 @@
         </p:nvSpPr>
         <p:spPr>
           <a:xfrm>
-            <a:off x="5525305" y="6026090"/>
+            <a:off x="2707537" y="5353101"/>
             <a:ext cx="2214022" cy="369332"/>
           </a:xfrm>
           <a:prstGeom prst="rect">
@@ -4775,7 +4775,7 @@
         </p:nvSpPr>
         <p:spPr>
           <a:xfrm>
-            <a:off x="2784111" y="5367143"/>
+            <a:off x="5327644" y="6040869"/>
             <a:ext cx="2214022" cy="369332"/>
           </a:xfrm>
           <a:prstGeom prst="rect">
